--- a/Country Data Dashboard.pptx
+++ b/Country Data Dashboard.pptx
@@ -7,15 +7,16 @@
   <p:sldIdLst>
     <p:sldId id="256" r:id="rId2"/>
     <p:sldId id="263" r:id="rId3"/>
-    <p:sldId id="257" r:id="rId4"/>
-    <p:sldId id="260" r:id="rId5"/>
-    <p:sldId id="258" r:id="rId6"/>
-    <p:sldId id="261" r:id="rId7"/>
-    <p:sldId id="259" r:id="rId8"/>
-    <p:sldId id="262" r:id="rId9"/>
-    <p:sldId id="264" r:id="rId10"/>
-    <p:sldId id="266" r:id="rId11"/>
-    <p:sldId id="265" r:id="rId12"/>
+    <p:sldId id="268" r:id="rId4"/>
+    <p:sldId id="257" r:id="rId5"/>
+    <p:sldId id="260" r:id="rId6"/>
+    <p:sldId id="258" r:id="rId7"/>
+    <p:sldId id="261" r:id="rId8"/>
+    <p:sldId id="259" r:id="rId9"/>
+    <p:sldId id="262" r:id="rId10"/>
+    <p:sldId id="264" r:id="rId11"/>
+    <p:sldId id="266" r:id="rId12"/>
+    <p:sldId id="265" r:id="rId13"/>
   </p:sldIdLst>
   <p:sldSz cx="12192000" cy="6858000"/>
   <p:notesSz cx="6858000" cy="9144000"/>
@@ -121,6 +122,7 @@
           <p14:sldIdLst>
             <p14:sldId id="256"/>
             <p14:sldId id="263"/>
+            <p14:sldId id="268"/>
             <p14:sldId id="257"/>
             <p14:sldId id="260"/>
             <p14:sldId id="258"/>
@@ -137,6 +139,9 @@
           </p14:sldIdLst>
         </p14:section>
       </p14:sectionLst>
+    </p:ext>
+    <p:ext uri="{EFAFB233-063F-42B5-8137-9DF3F51BA10A}">
+      <p15:sldGuideLst xmlns:p15="http://schemas.microsoft.com/office/powerpoint/2012/main"/>
     </p:ext>
   </p:extLst>
 </p:presentation>
@@ -291,7 +296,7 @@
           <a:p>
             <a:fld id="{4EB87474-53AD-4BE3-A613-18169DB3444D}" type="datetimeFigureOut">
               <a:rPr lang="en-IN" smtClean="0"/>
-              <a:t>27-01-2025</a:t>
+              <a:t>28-01-2025</a:t>
             </a:fld>
             <a:endParaRPr lang="en-IN"/>
           </a:p>
@@ -491,7 +496,7 @@
           <a:p>
             <a:fld id="{4EB87474-53AD-4BE3-A613-18169DB3444D}" type="datetimeFigureOut">
               <a:rPr lang="en-IN" smtClean="0"/>
-              <a:t>27-01-2025</a:t>
+              <a:t>28-01-2025</a:t>
             </a:fld>
             <a:endParaRPr lang="en-IN"/>
           </a:p>
@@ -701,7 +706,7 @@
           <a:p>
             <a:fld id="{4EB87474-53AD-4BE3-A613-18169DB3444D}" type="datetimeFigureOut">
               <a:rPr lang="en-IN" smtClean="0"/>
-              <a:t>27-01-2025</a:t>
+              <a:t>28-01-2025</a:t>
             </a:fld>
             <a:endParaRPr lang="en-IN"/>
           </a:p>
@@ -901,7 +906,7 @@
           <a:p>
             <a:fld id="{4EB87474-53AD-4BE3-A613-18169DB3444D}" type="datetimeFigureOut">
               <a:rPr lang="en-IN" smtClean="0"/>
-              <a:t>27-01-2025</a:t>
+              <a:t>28-01-2025</a:t>
             </a:fld>
             <a:endParaRPr lang="en-IN"/>
           </a:p>
@@ -1177,7 +1182,7 @@
           <a:p>
             <a:fld id="{4EB87474-53AD-4BE3-A613-18169DB3444D}" type="datetimeFigureOut">
               <a:rPr lang="en-IN" smtClean="0"/>
-              <a:t>27-01-2025</a:t>
+              <a:t>28-01-2025</a:t>
             </a:fld>
             <a:endParaRPr lang="en-IN"/>
           </a:p>
@@ -1445,7 +1450,7 @@
           <a:p>
             <a:fld id="{4EB87474-53AD-4BE3-A613-18169DB3444D}" type="datetimeFigureOut">
               <a:rPr lang="en-IN" smtClean="0"/>
-              <a:t>27-01-2025</a:t>
+              <a:t>28-01-2025</a:t>
             </a:fld>
             <a:endParaRPr lang="en-IN"/>
           </a:p>
@@ -1860,7 +1865,7 @@
           <a:p>
             <a:fld id="{4EB87474-53AD-4BE3-A613-18169DB3444D}" type="datetimeFigureOut">
               <a:rPr lang="en-IN" smtClean="0"/>
-              <a:t>27-01-2025</a:t>
+              <a:t>28-01-2025</a:t>
             </a:fld>
             <a:endParaRPr lang="en-IN"/>
           </a:p>
@@ -2002,7 +2007,7 @@
           <a:p>
             <a:fld id="{4EB87474-53AD-4BE3-A613-18169DB3444D}" type="datetimeFigureOut">
               <a:rPr lang="en-IN" smtClean="0"/>
-              <a:t>27-01-2025</a:t>
+              <a:t>28-01-2025</a:t>
             </a:fld>
             <a:endParaRPr lang="en-IN"/>
           </a:p>
@@ -2115,7 +2120,7 @@
           <a:p>
             <a:fld id="{4EB87474-53AD-4BE3-A613-18169DB3444D}" type="datetimeFigureOut">
               <a:rPr lang="en-IN" smtClean="0"/>
-              <a:t>27-01-2025</a:t>
+              <a:t>28-01-2025</a:t>
             </a:fld>
             <a:endParaRPr lang="en-IN"/>
           </a:p>
@@ -2428,7 +2433,7 @@
           <a:p>
             <a:fld id="{4EB87474-53AD-4BE3-A613-18169DB3444D}" type="datetimeFigureOut">
               <a:rPr lang="en-IN" smtClean="0"/>
-              <a:t>27-01-2025</a:t>
+              <a:t>28-01-2025</a:t>
             </a:fld>
             <a:endParaRPr lang="en-IN"/>
           </a:p>
@@ -2717,7 +2722,7 @@
           <a:p>
             <a:fld id="{4EB87474-53AD-4BE3-A613-18169DB3444D}" type="datetimeFigureOut">
               <a:rPr lang="en-IN" smtClean="0"/>
-              <a:t>27-01-2025</a:t>
+              <a:t>28-01-2025</a:t>
             </a:fld>
             <a:endParaRPr lang="en-IN"/>
           </a:p>
@@ -2960,7 +2965,7 @@
           <a:p>
             <a:fld id="{4EB87474-53AD-4BE3-A613-18169DB3444D}" type="datetimeFigureOut">
               <a:rPr lang="en-IN" smtClean="0"/>
-              <a:t>27-01-2025</a:t>
+              <a:t>28-01-2025</a:t>
             </a:fld>
             <a:endParaRPr lang="en-IN"/>
           </a:p>
@@ -3443,6 +3448,150 @@
         <p:cNvPr id="1" name="">
           <a:extLst>
             <a:ext uri="{FF2B5EF4-FFF2-40B4-BE49-F238E27FC236}">
+              <a16:creationId xmlns:a16="http://schemas.microsoft.com/office/drawing/2014/main" id="{CEEEBDCB-3561-563E-0FFC-2578407F0959}"/>
+            </a:ext>
+          </a:extLst>
+        </p:cNvPr>
+        <p:cNvGrpSpPr/>
+        <p:nvPr/>
+      </p:nvGrpSpPr>
+      <p:grpSpPr>
+        <a:xfrm>
+          <a:off x="0" y="0"/>
+          <a:ext cx="0" cy="0"/>
+          <a:chOff x="0" y="0"/>
+          <a:chExt cx="0" cy="0"/>
+        </a:xfrm>
+      </p:grpSpPr>
+      <p:sp>
+        <p:nvSpPr>
+          <p:cNvPr id="3" name="Title 2">
+            <a:extLst>
+              <a:ext uri="{FF2B5EF4-FFF2-40B4-BE49-F238E27FC236}">
+                <a16:creationId xmlns:a16="http://schemas.microsoft.com/office/drawing/2014/main" id="{7E5BDF94-93CF-3140-9D29-FF5C0C518960}"/>
+              </a:ext>
+            </a:extLst>
+          </p:cNvPr>
+          <p:cNvSpPr>
+            <a:spLocks noGrp="1"/>
+          </p:cNvSpPr>
+          <p:nvPr>
+            <p:ph type="title"/>
+          </p:nvPr>
+        </p:nvSpPr>
+        <p:spPr>
+          <a:xfrm>
+            <a:off x="820132" y="252005"/>
+            <a:ext cx="10411730" cy="652970"/>
+          </a:xfrm>
+        </p:spPr>
+        <p:txBody>
+          <a:bodyPr>
+            <a:normAutofit/>
+          </a:bodyPr>
+          <a:lstStyle/>
+          <a:p>
+            <a:pPr algn="ctr"/>
+            <a:r>
+              <a:rPr lang="en-US" sz="4000" b="1" dirty="0">
+                <a:solidFill>
+                  <a:srgbClr val="0070C0"/>
+                </a:solidFill>
+              </a:rPr>
+              <a:t>Performance Optimization and Best practices</a:t>
+            </a:r>
+            <a:endParaRPr lang="en-IN" sz="4000" b="1" dirty="0">
+              <a:solidFill>
+                <a:srgbClr val="0070C0"/>
+              </a:solidFill>
+            </a:endParaRPr>
+          </a:p>
+        </p:txBody>
+      </p:sp>
+      <p:sp>
+        <p:nvSpPr>
+          <p:cNvPr id="4" name="Content Placeholder 3">
+            <a:extLst>
+              <a:ext uri="{FF2B5EF4-FFF2-40B4-BE49-F238E27FC236}">
+                <a16:creationId xmlns:a16="http://schemas.microsoft.com/office/drawing/2014/main" id="{77843FEF-7000-8024-2D11-02FA556C51A9}"/>
+              </a:ext>
+            </a:extLst>
+          </p:cNvPr>
+          <p:cNvSpPr>
+            <a:spLocks noGrp="1"/>
+          </p:cNvSpPr>
+          <p:nvPr>
+            <p:ph idx="1"/>
+          </p:nvPr>
+        </p:nvSpPr>
+        <p:spPr>
+          <a:xfrm>
+            <a:off x="820132" y="986639"/>
+            <a:ext cx="10515600" cy="5619356"/>
+          </a:xfrm>
+        </p:spPr>
+        <p:txBody>
+          <a:bodyPr/>
+          <a:lstStyle/>
+          <a:p>
+            <a:r>
+              <a:rPr lang="en-US" dirty="0"/>
+              <a:t>Since, the project is written in Typescript, necessary type safety is in place. Custom and inbuilt Interfaces are implemented for Typescript best practices.</a:t>
+            </a:r>
+          </a:p>
+          <a:p>
+            <a:r>
+              <a:rPr lang="en-US" dirty="0"/>
+              <a:t>Exception handling and 404 page are implemented.</a:t>
+            </a:r>
+          </a:p>
+          <a:p>
+            <a:r>
+              <a:rPr lang="en-US" dirty="0"/>
+              <a:t>Considering the scope of the App, suitable logic and component segregation are practiced.</a:t>
+            </a:r>
+          </a:p>
+          <a:p>
+            <a:r>
+              <a:rPr lang="en-IN" dirty="0"/>
+              <a:t>To avoid API abuse, Throttling and Debouncing are utilised.</a:t>
+            </a:r>
+          </a:p>
+          <a:p>
+            <a:r>
+              <a:rPr lang="en-IN" dirty="0"/>
+              <a:t>For performance improvement, HTTP and in-memory caching are in place for Backend.</a:t>
+            </a:r>
+          </a:p>
+          <a:p>
+            <a:r>
+              <a:rPr lang="en-IN" dirty="0"/>
+              <a:t>For Frontend, memoization is implemented using react hooks.</a:t>
+            </a:r>
+          </a:p>
+        </p:txBody>
+      </p:sp>
+    </p:spTree>
+    <p:extLst>
+      <p:ext uri="{BB962C8B-B14F-4D97-AF65-F5344CB8AC3E}">
+        <p14:creationId xmlns:p14="http://schemas.microsoft.com/office/powerpoint/2010/main" val="2047718811"/>
+      </p:ext>
+    </p:extLst>
+  </p:cSld>
+  <p:clrMapOvr>
+    <a:masterClrMapping/>
+  </p:clrMapOvr>
+</p:sld>
+</file>
+
+<file path=ppt/slides/slide11.xml><?xml version="1.0" encoding="utf-8"?>
+<p:sld xmlns:a="http://schemas.openxmlformats.org/drawingml/2006/main" xmlns:r="http://schemas.openxmlformats.org/officeDocument/2006/relationships" xmlns:p="http://schemas.openxmlformats.org/presentationml/2006/main">
+  <p:cSld>
+    <p:spTree>
+      <p:nvGrpSpPr>
+        <p:cNvPr id="1" name="">
+          <a:extLst>
+            <a:ext uri="{FF2B5EF4-FFF2-40B4-BE49-F238E27FC236}">
               <a16:creationId xmlns:a16="http://schemas.microsoft.com/office/drawing/2014/main" id="{148F6892-DDA5-5A8F-8CEF-816A0AD0525A}"/>
             </a:ext>
           </a:extLst>
@@ -3579,7 +3728,7 @@
 </p:sld>
 </file>
 
-<file path=ppt/slides/slide11.xml><?xml version="1.0" encoding="utf-8"?>
+<file path=ppt/slides/slide12.xml><?xml version="1.0" encoding="utf-8"?>
 <p:sld xmlns:a="http://schemas.openxmlformats.org/drawingml/2006/main" xmlns:r="http://schemas.openxmlformats.org/officeDocument/2006/relationships" xmlns:p="http://schemas.openxmlformats.org/presentationml/2006/main">
   <p:cSld>
     <p:spTree>
@@ -3818,6 +3967,226 @@
       </p:grpSpPr>
       <p:sp>
         <p:nvSpPr>
+          <p:cNvPr id="2" name="Title 1">
+            <a:extLst>
+              <a:ext uri="{FF2B5EF4-FFF2-40B4-BE49-F238E27FC236}">
+                <a16:creationId xmlns:a16="http://schemas.microsoft.com/office/drawing/2014/main" id="{D39B0ED2-3E64-843E-A569-945A0D619EAD}"/>
+              </a:ext>
+            </a:extLst>
+          </p:cNvPr>
+          <p:cNvSpPr>
+            <a:spLocks noGrp="1"/>
+          </p:cNvSpPr>
+          <p:nvPr>
+            <p:ph type="title"/>
+          </p:nvPr>
+        </p:nvSpPr>
+        <p:spPr>
+          <a:xfrm>
+            <a:off x="838200" y="138882"/>
+            <a:ext cx="10515600" cy="756665"/>
+          </a:xfrm>
+        </p:spPr>
+        <p:txBody>
+          <a:bodyPr/>
+          <a:lstStyle/>
+          <a:p>
+            <a:pPr algn="ctr"/>
+            <a:r>
+              <a:rPr lang="en-US" b="1" dirty="0">
+                <a:solidFill>
+                  <a:srgbClr val="0070C0"/>
+                </a:solidFill>
+              </a:rPr>
+              <a:t>App Structure</a:t>
+            </a:r>
+            <a:endParaRPr lang="en-IN" b="1" dirty="0">
+              <a:solidFill>
+                <a:srgbClr val="0070C0"/>
+              </a:solidFill>
+            </a:endParaRPr>
+          </a:p>
+        </p:txBody>
+      </p:sp>
+      <p:sp>
+        <p:nvSpPr>
+          <p:cNvPr id="3" name="Content Placeholder 2">
+            <a:extLst>
+              <a:ext uri="{FF2B5EF4-FFF2-40B4-BE49-F238E27FC236}">
+                <a16:creationId xmlns:a16="http://schemas.microsoft.com/office/drawing/2014/main" id="{45CCBF4C-936A-67E4-0FC1-64D95A1BCCCD}"/>
+              </a:ext>
+            </a:extLst>
+          </p:cNvPr>
+          <p:cNvSpPr>
+            <a:spLocks noGrp="1"/>
+          </p:cNvSpPr>
+          <p:nvPr>
+            <p:ph sz="half" idx="1"/>
+          </p:nvPr>
+        </p:nvSpPr>
+        <p:spPr>
+          <a:xfrm>
+            <a:off x="838200" y="1310325"/>
+            <a:ext cx="5181600" cy="4866637"/>
+          </a:xfrm>
+        </p:spPr>
+        <p:txBody>
+          <a:bodyPr/>
+          <a:lstStyle/>
+          <a:p>
+            <a:r>
+              <a:rPr lang="en-US" sz="2400" b="1" dirty="0"/>
+              <a:t>Frontend</a:t>
+            </a:r>
+          </a:p>
+          <a:p>
+            <a:pPr lvl="1"/>
+            <a:r>
+              <a:rPr lang="en-US" sz="2000" b="1" dirty="0"/>
+              <a:t>/ </a:t>
+            </a:r>
+            <a:r>
+              <a:rPr lang="en-US" sz="2000" dirty="0"/>
+              <a:t>- Country listing page</a:t>
+            </a:r>
+          </a:p>
+          <a:p>
+            <a:pPr lvl="1"/>
+            <a:r>
+              <a:rPr lang="en-US" sz="2000" b="1" dirty="0"/>
+              <a:t>/countries/:code </a:t>
+            </a:r>
+            <a:r>
+              <a:rPr lang="en-US" sz="2000" dirty="0"/>
+              <a:t>– Country Details page based on provided Country code.</a:t>
+            </a:r>
+          </a:p>
+          <a:p>
+            <a:pPr lvl="1"/>
+            <a:r>
+              <a:rPr lang="en-US" sz="2000" b="1" dirty="0"/>
+              <a:t>/countries/compare </a:t>
+            </a:r>
+            <a:r>
+              <a:rPr lang="en-US" sz="2000" dirty="0"/>
+              <a:t>– Statistical comparison of two countries</a:t>
+            </a:r>
+            <a:endParaRPr lang="en-US" sz="2000" b="1" dirty="0"/>
+          </a:p>
+          <a:p>
+            <a:endParaRPr lang="en-IN" dirty="0"/>
+          </a:p>
+        </p:txBody>
+      </p:sp>
+      <p:sp>
+        <p:nvSpPr>
+          <p:cNvPr id="4" name="Content Placeholder 3">
+            <a:extLst>
+              <a:ext uri="{FF2B5EF4-FFF2-40B4-BE49-F238E27FC236}">
+                <a16:creationId xmlns:a16="http://schemas.microsoft.com/office/drawing/2014/main" id="{2584118B-D035-D867-FFB5-CE677133B019}"/>
+              </a:ext>
+            </a:extLst>
+          </p:cNvPr>
+          <p:cNvSpPr>
+            <a:spLocks noGrp="1"/>
+          </p:cNvSpPr>
+          <p:nvPr>
+            <p:ph sz="half" idx="2"/>
+          </p:nvPr>
+        </p:nvSpPr>
+        <p:spPr>
+          <a:xfrm>
+            <a:off x="6172200" y="1310325"/>
+            <a:ext cx="5181600" cy="4866638"/>
+          </a:xfrm>
+        </p:spPr>
+        <p:txBody>
+          <a:bodyPr/>
+          <a:lstStyle/>
+          <a:p>
+            <a:r>
+              <a:rPr lang="en-US" sz="2400" b="1" dirty="0"/>
+              <a:t>Backend</a:t>
+            </a:r>
+          </a:p>
+          <a:p>
+            <a:pPr lvl="1"/>
+            <a:r>
+              <a:rPr lang="en-IN" sz="2000" b="1" dirty="0"/>
+              <a:t>/countries</a:t>
+            </a:r>
+          </a:p>
+          <a:p>
+            <a:pPr lvl="2"/>
+            <a:r>
+              <a:rPr lang="en-IN" b="1" dirty="0"/>
+              <a:t>/</a:t>
+            </a:r>
+            <a:r>
+              <a:rPr lang="en-IN" dirty="0"/>
+              <a:t> - listing Countries</a:t>
+            </a:r>
+          </a:p>
+          <a:p>
+            <a:pPr lvl="2"/>
+            <a:r>
+              <a:rPr lang="en-IN" b="1" dirty="0"/>
+              <a:t>/search </a:t>
+            </a:r>
+            <a:r>
+              <a:rPr lang="en-IN" dirty="0"/>
+              <a:t>– search by name, capital or region</a:t>
+            </a:r>
+          </a:p>
+          <a:p>
+            <a:pPr lvl="2"/>
+            <a:r>
+              <a:rPr lang="en-IN" b="1" dirty="0"/>
+              <a:t>/:code </a:t>
+            </a:r>
+            <a:r>
+              <a:rPr lang="en-IN" dirty="0"/>
+              <a:t>– Country details based on country code</a:t>
+            </a:r>
+            <a:r>
+              <a:rPr lang="en-IN" b="1" dirty="0"/>
+              <a:t> </a:t>
+            </a:r>
+          </a:p>
+        </p:txBody>
+      </p:sp>
+    </p:spTree>
+    <p:extLst>
+      <p:ext uri="{BB962C8B-B14F-4D97-AF65-F5344CB8AC3E}">
+        <p14:creationId xmlns:p14="http://schemas.microsoft.com/office/powerpoint/2010/main" val="635508934"/>
+      </p:ext>
+    </p:extLst>
+  </p:cSld>
+  <p:clrMapOvr>
+    <a:masterClrMapping/>
+  </p:clrMapOvr>
+</p:sld>
+</file>
+
+<file path=ppt/slides/slide4.xml><?xml version="1.0" encoding="utf-8"?>
+<p:sld xmlns:a="http://schemas.openxmlformats.org/drawingml/2006/main" xmlns:r="http://schemas.openxmlformats.org/officeDocument/2006/relationships" xmlns:p="http://schemas.openxmlformats.org/presentationml/2006/main">
+  <p:cSld>
+    <p:spTree>
+      <p:nvGrpSpPr>
+        <p:cNvPr id="1" name=""/>
+        <p:cNvGrpSpPr/>
+        <p:nvPr/>
+      </p:nvGrpSpPr>
+      <p:grpSpPr>
+        <a:xfrm>
+          <a:off x="0" y="0"/>
+          <a:ext cx="0" cy="0"/>
+          <a:chOff x="0" y="0"/>
+          <a:chExt cx="0" cy="0"/>
+        </a:xfrm>
+      </p:grpSpPr>
+      <p:sp>
+        <p:nvSpPr>
           <p:cNvPr id="3" name="Title 2">
             <a:extLst>
               <a:ext uri="{FF2B5EF4-FFF2-40B4-BE49-F238E27FC236}">
@@ -3903,7 +4272,7 @@
 </p:sld>
 </file>
 
-<file path=ppt/slides/slide4.xml><?xml version="1.0" encoding="utf-8"?>
+<file path=ppt/slides/slide5.xml><?xml version="1.0" encoding="utf-8"?>
 <p:sld xmlns:a="http://schemas.openxmlformats.org/drawingml/2006/main" xmlns:r="http://schemas.openxmlformats.org/officeDocument/2006/relationships" xmlns:p="http://schemas.openxmlformats.org/presentationml/2006/main">
   <p:cSld>
     <p:spTree>
@@ -4042,7 +4411,7 @@
 </p:sld>
 </file>
 
-<file path=ppt/slides/slide5.xml><?xml version="1.0" encoding="utf-8"?>
+<file path=ppt/slides/slide6.xml><?xml version="1.0" encoding="utf-8"?>
 <p:sld xmlns:a="http://schemas.openxmlformats.org/drawingml/2006/main" xmlns:r="http://schemas.openxmlformats.org/officeDocument/2006/relationships" xmlns:p="http://schemas.openxmlformats.org/presentationml/2006/main">
   <p:cSld>
     <p:spTree>
@@ -4153,7 +4522,7 @@
 </p:sld>
 </file>
 
-<file path=ppt/slides/slide6.xml><?xml version="1.0" encoding="utf-8"?>
+<file path=ppt/slides/slide7.xml><?xml version="1.0" encoding="utf-8"?>
 <p:sld xmlns:a="http://schemas.openxmlformats.org/drawingml/2006/main" xmlns:r="http://schemas.openxmlformats.org/officeDocument/2006/relationships" xmlns:p="http://schemas.openxmlformats.org/presentationml/2006/main">
   <p:cSld>
     <p:spTree>
@@ -4280,7 +4649,7 @@
 </p:sld>
 </file>
 
-<file path=ppt/slides/slide7.xml><?xml version="1.0" encoding="utf-8"?>
+<file path=ppt/slides/slide8.xml><?xml version="1.0" encoding="utf-8"?>
 <p:sld xmlns:a="http://schemas.openxmlformats.org/drawingml/2006/main" xmlns:r="http://schemas.openxmlformats.org/officeDocument/2006/relationships" xmlns:p="http://schemas.openxmlformats.org/presentationml/2006/main">
   <p:cSld>
     <p:spTree>
@@ -4390,7 +4759,7 @@
 </p:sld>
 </file>
 
-<file path=ppt/slides/slide8.xml><?xml version="1.0" encoding="utf-8"?>
+<file path=ppt/slides/slide9.xml><?xml version="1.0" encoding="utf-8"?>
 <p:sld xmlns:a="http://schemas.openxmlformats.org/drawingml/2006/main" xmlns:r="http://schemas.openxmlformats.org/officeDocument/2006/relationships" xmlns:p="http://schemas.openxmlformats.org/presentationml/2006/main">
   <p:cSld>
     <p:spTree>
@@ -4508,150 +4877,6 @@
     <p:extLst>
       <p:ext uri="{BB962C8B-B14F-4D97-AF65-F5344CB8AC3E}">
         <p14:creationId xmlns:p14="http://schemas.microsoft.com/office/powerpoint/2010/main" val="1995483760"/>
-      </p:ext>
-    </p:extLst>
-  </p:cSld>
-  <p:clrMapOvr>
-    <a:masterClrMapping/>
-  </p:clrMapOvr>
-</p:sld>
-</file>
-
-<file path=ppt/slides/slide9.xml><?xml version="1.0" encoding="utf-8"?>
-<p:sld xmlns:a="http://schemas.openxmlformats.org/drawingml/2006/main" xmlns:r="http://schemas.openxmlformats.org/officeDocument/2006/relationships" xmlns:p="http://schemas.openxmlformats.org/presentationml/2006/main">
-  <p:cSld>
-    <p:spTree>
-      <p:nvGrpSpPr>
-        <p:cNvPr id="1" name="">
-          <a:extLst>
-            <a:ext uri="{FF2B5EF4-FFF2-40B4-BE49-F238E27FC236}">
-              <a16:creationId xmlns:a16="http://schemas.microsoft.com/office/drawing/2014/main" id="{CEEEBDCB-3561-563E-0FFC-2578407F0959}"/>
-            </a:ext>
-          </a:extLst>
-        </p:cNvPr>
-        <p:cNvGrpSpPr/>
-        <p:nvPr/>
-      </p:nvGrpSpPr>
-      <p:grpSpPr>
-        <a:xfrm>
-          <a:off x="0" y="0"/>
-          <a:ext cx="0" cy="0"/>
-          <a:chOff x="0" y="0"/>
-          <a:chExt cx="0" cy="0"/>
-        </a:xfrm>
-      </p:grpSpPr>
-      <p:sp>
-        <p:nvSpPr>
-          <p:cNvPr id="3" name="Title 2">
-            <a:extLst>
-              <a:ext uri="{FF2B5EF4-FFF2-40B4-BE49-F238E27FC236}">
-                <a16:creationId xmlns:a16="http://schemas.microsoft.com/office/drawing/2014/main" id="{7E5BDF94-93CF-3140-9D29-FF5C0C518960}"/>
-              </a:ext>
-            </a:extLst>
-          </p:cNvPr>
-          <p:cNvSpPr>
-            <a:spLocks noGrp="1"/>
-          </p:cNvSpPr>
-          <p:nvPr>
-            <p:ph type="title"/>
-          </p:nvPr>
-        </p:nvSpPr>
-        <p:spPr>
-          <a:xfrm>
-            <a:off x="820132" y="252005"/>
-            <a:ext cx="10411730" cy="652970"/>
-          </a:xfrm>
-        </p:spPr>
-        <p:txBody>
-          <a:bodyPr>
-            <a:normAutofit/>
-          </a:bodyPr>
-          <a:lstStyle/>
-          <a:p>
-            <a:pPr algn="ctr"/>
-            <a:r>
-              <a:rPr lang="en-US" sz="4000" b="1" dirty="0">
-                <a:solidFill>
-                  <a:srgbClr val="0070C0"/>
-                </a:solidFill>
-              </a:rPr>
-              <a:t>Performance Optimization and Best practices</a:t>
-            </a:r>
-            <a:endParaRPr lang="en-IN" sz="4000" b="1" dirty="0">
-              <a:solidFill>
-                <a:srgbClr val="0070C0"/>
-              </a:solidFill>
-            </a:endParaRPr>
-          </a:p>
-        </p:txBody>
-      </p:sp>
-      <p:sp>
-        <p:nvSpPr>
-          <p:cNvPr id="4" name="Content Placeholder 3">
-            <a:extLst>
-              <a:ext uri="{FF2B5EF4-FFF2-40B4-BE49-F238E27FC236}">
-                <a16:creationId xmlns:a16="http://schemas.microsoft.com/office/drawing/2014/main" id="{77843FEF-7000-8024-2D11-02FA556C51A9}"/>
-              </a:ext>
-            </a:extLst>
-          </p:cNvPr>
-          <p:cNvSpPr>
-            <a:spLocks noGrp="1"/>
-          </p:cNvSpPr>
-          <p:nvPr>
-            <p:ph idx="1"/>
-          </p:nvPr>
-        </p:nvSpPr>
-        <p:spPr>
-          <a:xfrm>
-            <a:off x="820132" y="986639"/>
-            <a:ext cx="10515600" cy="5619356"/>
-          </a:xfrm>
-        </p:spPr>
-        <p:txBody>
-          <a:bodyPr/>
-          <a:lstStyle/>
-          <a:p>
-            <a:r>
-              <a:rPr lang="en-US" dirty="0"/>
-              <a:t>Since, the project is written in Typescript, necessary type safety is in place. Custom and inbuilt Interfaces are implemented for Typescript best practices.</a:t>
-            </a:r>
-          </a:p>
-          <a:p>
-            <a:r>
-              <a:rPr lang="en-US" dirty="0"/>
-              <a:t>Exception handling and 404 page are implemented.</a:t>
-            </a:r>
-          </a:p>
-          <a:p>
-            <a:r>
-              <a:rPr lang="en-US" dirty="0"/>
-              <a:t>Considering the scope of the App, suitable logic and component segregation are practiced.</a:t>
-            </a:r>
-          </a:p>
-          <a:p>
-            <a:r>
-              <a:rPr lang="en-IN" dirty="0"/>
-              <a:t>To avoid API abuse, Throttling and Debouncing are utilised.</a:t>
-            </a:r>
-          </a:p>
-          <a:p>
-            <a:r>
-              <a:rPr lang="en-IN" dirty="0"/>
-              <a:t>For performance improvement, HTTP and in-memory caching are in place for Backend.</a:t>
-            </a:r>
-          </a:p>
-          <a:p>
-            <a:r>
-              <a:rPr lang="en-IN" dirty="0"/>
-              <a:t>For Frontend, memoization is implemented using react hooks.</a:t>
-            </a:r>
-          </a:p>
-        </p:txBody>
-      </p:sp>
-    </p:spTree>
-    <p:extLst>
-      <p:ext uri="{BB962C8B-B14F-4D97-AF65-F5344CB8AC3E}">
-        <p14:creationId xmlns:p14="http://schemas.microsoft.com/office/powerpoint/2010/main" val="2047718811"/>
       </p:ext>
     </p:extLst>
   </p:cSld>
